--- a/OIM 7502 Midterm Deck.pptx
+++ b/OIM 7502 Midterm Deck.pptx
@@ -5,7 +5,7 @@
     <p:sldMasterId id="2147483751" r:id="rId1"/>
   </p:sldMasterIdLst>
   <p:notesMasterIdLst>
-    <p:notesMasterId r:id="rId19"/>
+    <p:notesMasterId r:id="rId20"/>
   </p:notesMasterIdLst>
   <p:sldIdLst>
     <p:sldId id="256" r:id="rId2"/>
@@ -19,12 +19,13 @@
     <p:sldId id="259" r:id="rId10"/>
     <p:sldId id="262" r:id="rId11"/>
     <p:sldId id="263" r:id="rId12"/>
-    <p:sldId id="276" r:id="rId13"/>
-    <p:sldId id="266" r:id="rId14"/>
-    <p:sldId id="265" r:id="rId15"/>
-    <p:sldId id="268" r:id="rId16"/>
-    <p:sldId id="267" r:id="rId17"/>
-    <p:sldId id="277" r:id="rId18"/>
+    <p:sldId id="279" r:id="rId13"/>
+    <p:sldId id="276" r:id="rId14"/>
+    <p:sldId id="266" r:id="rId15"/>
+    <p:sldId id="265" r:id="rId16"/>
+    <p:sldId id="268" r:id="rId17"/>
+    <p:sldId id="267" r:id="rId18"/>
+    <p:sldId id="277" r:id="rId19"/>
   </p:sldIdLst>
   <p:sldSz cx="12192000" cy="6858000"/>
   <p:notesSz cx="6858000" cy="9144000"/>
@@ -123,7 +124,20 @@
       </a:defRPr>
     </a:lvl9pPr>
   </p:defaultTextStyle>
+  <p:extLst>
+    <p:ext uri="{EFAFB233-063F-42B5-8137-9DF3F51BA10A}">
+      <p15:sldGuideLst xmlns:p15="http://schemas.microsoft.com/office/powerpoint/2012/main"/>
+    </p:ext>
+  </p:extLst>
 </p:presentation>
+</file>
+
+<file path=ppt/revisionInfo.xml><?xml version="1.0" encoding="utf-8"?>
+<p1510:revInfo xmlns:a="http://schemas.openxmlformats.org/drawingml/2006/main" xmlns:r="http://schemas.openxmlformats.org/officeDocument/2006/relationships" xmlns:p1510="http://schemas.microsoft.com/office/powerpoint/2015/10/main">
+  <p1510:revLst>
+    <p1510:client id="{41656852-F42E-3044-B20E-94A66C1C216B}" v="67" dt="2025-11-02T20:15:48.960"/>
+  </p1510:revLst>
+</p1510:revInfo>
 </file>
 
 <file path=ppt/diagrams/colors1.xml><?xml version="1.0" encoding="utf-8"?>
@@ -4127,7 +4141,7 @@
           <a:p>
             <a:fld id="{53BEF823-48A5-43FC-BE03-E79964288B41}" type="datetimeFigureOut">
               <a:rPr lang="en-US" smtClean="0"/>
-              <a:t>10/31/25</a:t>
+              <a:t>11/2/25</a:t>
             </a:fld>
             <a:endParaRPr lang="en-US" dirty="0"/>
           </a:p>
@@ -4338,7 +4352,7 @@
             <a:fld id="{53BEF823-48A5-43FC-BE03-E79964288B41}" type="datetimeFigureOut">
               <a:rPr lang="en-US" smtClean="0"/>
               <a:pPr algn="r"/>
-              <a:t>10/31/25</a:t>
+              <a:t>11/2/25</a:t>
             </a:fld>
             <a:endParaRPr lang="en-US" dirty="0"/>
           </a:p>
@@ -4553,7 +4567,7 @@
             <a:fld id="{53BEF823-48A5-43FC-BE03-E79964288B41}" type="datetimeFigureOut">
               <a:rPr lang="en-US" smtClean="0"/>
               <a:pPr algn="r"/>
-              <a:t>10/31/25</a:t>
+              <a:t>11/2/25</a:t>
             </a:fld>
             <a:endParaRPr lang="en-US" dirty="0"/>
           </a:p>
@@ -4756,7 +4770,7 @@
             <a:fld id="{53BEF823-48A5-43FC-BE03-E79964288B41}" type="datetimeFigureOut">
               <a:rPr lang="en-US" smtClean="0"/>
               <a:pPr algn="r"/>
-              <a:t>10/31/25</a:t>
+              <a:t>11/2/25</a:t>
             </a:fld>
             <a:endParaRPr lang="en-US" dirty="0"/>
           </a:p>
@@ -5040,7 +5054,7 @@
             <a:fld id="{53BEF823-48A5-43FC-BE03-E79964288B41}" type="datetimeFigureOut">
               <a:rPr lang="en-US" smtClean="0"/>
               <a:pPr algn="r"/>
-              <a:t>10/31/25</a:t>
+              <a:t>11/2/25</a:t>
             </a:fld>
             <a:endParaRPr lang="en-US" dirty="0"/>
           </a:p>
@@ -5284,7 +5298,7 @@
             <a:fld id="{53BEF823-48A5-43FC-BE03-E79964288B41}" type="datetimeFigureOut">
               <a:rPr lang="en-US" smtClean="0"/>
               <a:pPr algn="r"/>
-              <a:t>10/31/25</a:t>
+              <a:t>11/2/25</a:t>
             </a:fld>
             <a:endParaRPr lang="en-US" dirty="0"/>
           </a:p>
@@ -5727,7 +5741,7 @@
             <a:fld id="{53BEF823-48A5-43FC-BE03-E79964288B41}" type="datetimeFigureOut">
               <a:rPr lang="en-US" smtClean="0"/>
               <a:pPr algn="r"/>
-              <a:t>10/31/25</a:t>
+              <a:t>11/2/25</a:t>
             </a:fld>
             <a:endParaRPr lang="en-US" dirty="0"/>
           </a:p>
@@ -5873,7 +5887,7 @@
             <a:fld id="{53BEF823-48A5-43FC-BE03-E79964288B41}" type="datetimeFigureOut">
               <a:rPr lang="en-US" smtClean="0"/>
               <a:pPr algn="r"/>
-              <a:t>10/31/25</a:t>
+              <a:t>11/2/25</a:t>
             </a:fld>
             <a:endParaRPr lang="en-US" dirty="0"/>
           </a:p>
@@ -5991,7 +6005,7 @@
             <a:fld id="{53BEF823-48A5-43FC-BE03-E79964288B41}" type="datetimeFigureOut">
               <a:rPr lang="en-US" smtClean="0"/>
               <a:pPr algn="r"/>
-              <a:t>10/31/25</a:t>
+              <a:t>11/2/25</a:t>
             </a:fld>
             <a:endParaRPr lang="en-US" dirty="0"/>
           </a:p>
@@ -6275,7 +6289,7 @@
             <a:fld id="{53BEF823-48A5-43FC-BE03-E79964288B41}" type="datetimeFigureOut">
               <a:rPr lang="en-US" smtClean="0"/>
               <a:pPr algn="r"/>
-              <a:t>10/31/25</a:t>
+              <a:t>11/2/25</a:t>
             </a:fld>
             <a:endParaRPr lang="en-US" dirty="0"/>
           </a:p>
@@ -6570,7 +6584,7 @@
             <a:fld id="{53BEF823-48A5-43FC-BE03-E79964288B41}" type="datetimeFigureOut">
               <a:rPr lang="en-US" smtClean="0"/>
               <a:pPr algn="r"/>
-              <a:t>10/31/25</a:t>
+              <a:t>11/2/25</a:t>
             </a:fld>
             <a:endParaRPr lang="en-US" dirty="0"/>
           </a:p>
@@ -7065,7 +7079,7 @@
             <a:fld id="{53BEF823-48A5-43FC-BE03-E79964288B41}" type="datetimeFigureOut">
               <a:rPr lang="en-US" smtClean="0"/>
               <a:pPr algn="r"/>
-              <a:t>10/31/25</a:t>
+              <a:t>11/2/25</a:t>
             </a:fld>
             <a:endParaRPr lang="en-US" dirty="0"/>
           </a:p>
@@ -8348,6 +8362,108 @@
         <p:cNvPr id="1" name="">
           <a:extLst>
             <a:ext uri="{FF2B5EF4-FFF2-40B4-BE49-F238E27FC236}">
+              <a16:creationId xmlns:a16="http://schemas.microsoft.com/office/drawing/2014/main" id="{1D59FB7E-B069-9534-5D09-F20848E8EBAB}"/>
+            </a:ext>
+          </a:extLst>
+        </p:cNvPr>
+        <p:cNvGrpSpPr/>
+        <p:nvPr/>
+      </p:nvGrpSpPr>
+      <p:grpSpPr>
+        <a:xfrm>
+          <a:off x="0" y="0"/>
+          <a:ext cx="0" cy="0"/>
+          <a:chOff x="0" y="0"/>
+          <a:chExt cx="0" cy="0"/>
+        </a:xfrm>
+      </p:grpSpPr>
+      <p:sp>
+        <p:nvSpPr>
+          <p:cNvPr id="2" name="Title 1">
+            <a:extLst>
+              <a:ext uri="{FF2B5EF4-FFF2-40B4-BE49-F238E27FC236}">
+                <a16:creationId xmlns:a16="http://schemas.microsoft.com/office/drawing/2014/main" id="{A207F7CA-BADD-467C-F385-5D51E139EF9F}"/>
+              </a:ext>
+            </a:extLst>
+          </p:cNvPr>
+          <p:cNvSpPr>
+            <a:spLocks noGrp="1"/>
+          </p:cNvSpPr>
+          <p:nvPr>
+            <p:ph type="title"/>
+          </p:nvPr>
+        </p:nvSpPr>
+        <p:spPr>
+          <a:xfrm>
+            <a:off x="2683023" y="0"/>
+            <a:ext cx="6825952" cy="1059090"/>
+          </a:xfrm>
+        </p:spPr>
+        <p:txBody>
+          <a:bodyPr>
+            <a:noAutofit/>
+          </a:bodyPr>
+          <a:lstStyle/>
+          <a:p>
+            <a:r>
+              <a:rPr lang="en-US" b="1" dirty="0"/>
+              <a:t>4. Close the session</a:t>
+            </a:r>
+            <a:endParaRPr lang="en-US" dirty="0"/>
+          </a:p>
+        </p:txBody>
+      </p:sp>
+      <p:pic>
+        <p:nvPicPr>
+          <p:cNvPr id="9" name="Picture 8" descr="A screen shot of a computer program&#10;&#10;AI-generated content may be incorrect.">
+            <a:extLst>
+              <a:ext uri="{FF2B5EF4-FFF2-40B4-BE49-F238E27FC236}">
+                <a16:creationId xmlns:a16="http://schemas.microsoft.com/office/drawing/2014/main" id="{3F6893F4-3351-BC12-C6D9-F73B39202681}"/>
+              </a:ext>
+            </a:extLst>
+          </p:cNvPr>
+          <p:cNvPicPr>
+            <a:picLocks noChangeAspect="1"/>
+          </p:cNvPicPr>
+          <p:nvPr/>
+        </p:nvPicPr>
+        <p:blipFill>
+          <a:blip r:embed="rId2"/>
+          <a:stretch>
+            <a:fillRect/>
+          </a:stretch>
+        </p:blipFill>
+        <p:spPr>
+          <a:xfrm>
+            <a:off x="1912963" y="1305531"/>
+            <a:ext cx="8366072" cy="5552469"/>
+          </a:xfrm>
+          <a:prstGeom prst="rect">
+            <a:avLst/>
+          </a:prstGeom>
+        </p:spPr>
+      </p:pic>
+    </p:spTree>
+    <p:extLst>
+      <p:ext uri="{BB962C8B-B14F-4D97-AF65-F5344CB8AC3E}">
+        <p14:creationId xmlns:p14="http://schemas.microsoft.com/office/powerpoint/2010/main" val="1914301194"/>
+      </p:ext>
+    </p:extLst>
+  </p:cSld>
+  <p:clrMapOvr>
+    <a:masterClrMapping/>
+  </p:clrMapOvr>
+</p:sld>
+</file>
+
+<file path=ppt/slides/slide13.xml><?xml version="1.0" encoding="utf-8"?>
+<p:sld xmlns:a="http://schemas.openxmlformats.org/drawingml/2006/main" xmlns:r="http://schemas.openxmlformats.org/officeDocument/2006/relationships" xmlns:p="http://schemas.openxmlformats.org/presentationml/2006/main">
+  <p:cSld>
+    <p:spTree>
+      <p:nvGrpSpPr>
+        <p:cNvPr id="1" name="">
+          <a:extLst>
+            <a:ext uri="{FF2B5EF4-FFF2-40B4-BE49-F238E27FC236}">
               <a16:creationId xmlns:a16="http://schemas.microsoft.com/office/drawing/2014/main" id="{3538F4EB-AC71-741E-631E-F31F1E2748C7}"/>
             </a:ext>
           </a:extLst>
@@ -8411,7 +8527,7 @@
 </p:sld>
 </file>
 
-<file path=ppt/slides/slide13.xml><?xml version="1.0" encoding="utf-8"?>
+<file path=ppt/slides/slide14.xml><?xml version="1.0" encoding="utf-8"?>
 <p:sld xmlns:a="http://schemas.openxmlformats.org/drawingml/2006/main" xmlns:r="http://schemas.openxmlformats.org/officeDocument/2006/relationships" xmlns:p="http://schemas.openxmlformats.org/presentationml/2006/main">
   <p:cSld>
     <p:bg>
@@ -8995,7 +9111,7 @@
 </p:sld>
 </file>
 
-<file path=ppt/slides/slide14.xml><?xml version="1.0" encoding="utf-8"?>
+<file path=ppt/slides/slide15.xml><?xml version="1.0" encoding="utf-8"?>
 <p:sld xmlns:a="http://schemas.openxmlformats.org/drawingml/2006/main" xmlns:r="http://schemas.openxmlformats.org/officeDocument/2006/relationships" xmlns:p="http://schemas.openxmlformats.org/presentationml/2006/main">
   <p:cSld>
     <p:spTree>
@@ -9055,7 +9171,7 @@
 </p:sld>
 </file>
 
-<file path=ppt/slides/slide15.xml><?xml version="1.0" encoding="utf-8"?>
+<file path=ppt/slides/slide16.xml><?xml version="1.0" encoding="utf-8"?>
 <p:sld xmlns:a="http://schemas.openxmlformats.org/drawingml/2006/main" xmlns:r="http://schemas.openxmlformats.org/officeDocument/2006/relationships" xmlns:p="http://schemas.openxmlformats.org/presentationml/2006/main">
   <p:cSld>
     <p:bg>
@@ -9928,7 +10044,7 @@
 </p:sld>
 </file>
 
-<file path=ppt/slides/slide16.xml><?xml version="1.0" encoding="utf-8"?>
+<file path=ppt/slides/slide17.xml><?xml version="1.0" encoding="utf-8"?>
 <p:sld xmlns:a="http://schemas.openxmlformats.org/drawingml/2006/main" xmlns:r="http://schemas.openxmlformats.org/officeDocument/2006/relationships" xmlns:p="http://schemas.openxmlformats.org/presentationml/2006/main">
   <p:cSld>
     <p:spTree>
@@ -10022,7 +10138,7 @@
 </p:sld>
 </file>
 
-<file path=ppt/slides/slide17.xml><?xml version="1.0" encoding="utf-8"?>
+<file path=ppt/slides/slide18.xml><?xml version="1.0" encoding="utf-8"?>
 <p:sld xmlns:a="http://schemas.openxmlformats.org/drawingml/2006/main" xmlns:r="http://schemas.openxmlformats.org/officeDocument/2006/relationships" xmlns:p="http://schemas.openxmlformats.org/presentationml/2006/main">
   <p:cSld>
     <p:bg>

--- a/OIM 7502 Midterm Deck.pptx
+++ b/OIM 7502 Midterm Deck.pptx
@@ -5,7 +5,7 @@
     <p:sldMasterId id="2147483751" r:id="rId1"/>
   </p:sldMasterIdLst>
   <p:notesMasterIdLst>
-    <p:notesMasterId r:id="rId20"/>
+    <p:notesMasterId r:id="rId21"/>
   </p:notesMasterIdLst>
   <p:sldIdLst>
     <p:sldId id="256" r:id="rId2"/>
@@ -13,19 +13,20 @@
     <p:sldId id="257" r:id="rId4"/>
     <p:sldId id="270" r:id="rId5"/>
     <p:sldId id="273" r:id="rId6"/>
-    <p:sldId id="275" r:id="rId7"/>
-    <p:sldId id="260" r:id="rId8"/>
-    <p:sldId id="261" r:id="rId9"/>
-    <p:sldId id="259" r:id="rId10"/>
-    <p:sldId id="262" r:id="rId11"/>
-    <p:sldId id="263" r:id="rId12"/>
-    <p:sldId id="279" r:id="rId13"/>
-    <p:sldId id="276" r:id="rId14"/>
-    <p:sldId id="266" r:id="rId15"/>
-    <p:sldId id="265" r:id="rId16"/>
-    <p:sldId id="268" r:id="rId17"/>
-    <p:sldId id="267" r:id="rId18"/>
-    <p:sldId id="277" r:id="rId19"/>
+    <p:sldId id="280" r:id="rId7"/>
+    <p:sldId id="275" r:id="rId8"/>
+    <p:sldId id="260" r:id="rId9"/>
+    <p:sldId id="261" r:id="rId10"/>
+    <p:sldId id="259" r:id="rId11"/>
+    <p:sldId id="262" r:id="rId12"/>
+    <p:sldId id="263" r:id="rId13"/>
+    <p:sldId id="279" r:id="rId14"/>
+    <p:sldId id="276" r:id="rId15"/>
+    <p:sldId id="266" r:id="rId16"/>
+    <p:sldId id="265" r:id="rId17"/>
+    <p:sldId id="268" r:id="rId18"/>
+    <p:sldId id="267" r:id="rId19"/>
+    <p:sldId id="277" r:id="rId20"/>
   </p:sldIdLst>
   <p:sldSz cx="12192000" cy="6858000"/>
   <p:notesSz cx="6858000" cy="9144000"/>
@@ -7665,7 +7666,7 @@
         <p:spPr>
           <a:xfrm>
             <a:off x="5978914" y="4876803"/>
-            <a:ext cx="5528141" cy="909848"/>
+            <a:ext cx="5540817" cy="909848"/>
           </a:xfrm>
         </p:spPr>
         <p:txBody>
@@ -7683,7 +7684,7 @@
                 <a:ea typeface="Poppins Light" pitchFamily="34" charset="-122"/>
                 <a:cs typeface="Poppins Light" pitchFamily="34" charset="-120"/>
               </a:rPr>
-              <a:t>Selenium WebDriver: Automating Web Data Collection for Data Scientists</a:t>
+              <a:t>Selenium: Automating Web Data Collection for Data Scientists</a:t>
             </a:r>
             <a:endParaRPr lang="en-US" sz="2000" dirty="0">
               <a:solidFill>
@@ -8180,6 +8181,104 @@
           <p:cNvPr id="2" name="Title 1">
             <a:extLst>
               <a:ext uri="{FF2B5EF4-FFF2-40B4-BE49-F238E27FC236}">
+                <a16:creationId xmlns:a16="http://schemas.microsoft.com/office/drawing/2014/main" id="{F26DF813-9486-D2A5-9AA0-E1175FAEA2EA}"/>
+              </a:ext>
+            </a:extLst>
+          </p:cNvPr>
+          <p:cNvSpPr>
+            <a:spLocks noGrp="1"/>
+          </p:cNvSpPr>
+          <p:nvPr>
+            <p:ph type="title"/>
+          </p:nvPr>
+        </p:nvSpPr>
+        <p:spPr>
+          <a:xfrm>
+            <a:off x="1643678" y="619103"/>
+            <a:ext cx="8904643" cy="1059090"/>
+          </a:xfrm>
+        </p:spPr>
+        <p:txBody>
+          <a:bodyPr>
+            <a:noAutofit/>
+          </a:bodyPr>
+          <a:lstStyle/>
+          <a:p>
+            <a:r>
+              <a:rPr lang="en-US" b="1" dirty="0"/>
+              <a:t>1. WebDriver Initialization</a:t>
+            </a:r>
+            <a:br>
+              <a:rPr lang="en-US" dirty="0"/>
+            </a:br>
+            <a:endParaRPr lang="en-US" dirty="0"/>
+          </a:p>
+        </p:txBody>
+      </p:sp>
+      <p:pic>
+        <p:nvPicPr>
+          <p:cNvPr id="7" name="Content Placeholder 6" descr="A black screen with green text&#10;&#10;AI-generated content may be incorrect.">
+            <a:extLst>
+              <a:ext uri="{FF2B5EF4-FFF2-40B4-BE49-F238E27FC236}">
+                <a16:creationId xmlns:a16="http://schemas.microsoft.com/office/drawing/2014/main" id="{4B918D5F-A2C9-217E-8537-BF9375741A7D}"/>
+              </a:ext>
+            </a:extLst>
+          </p:cNvPr>
+          <p:cNvPicPr>
+            <a:picLocks noGrp="1" noChangeAspect="1"/>
+          </p:cNvPicPr>
+          <p:nvPr>
+            <p:ph idx="1"/>
+          </p:nvPr>
+        </p:nvPicPr>
+        <p:blipFill>
+          <a:blip r:embed="rId2"/>
+          <a:stretch>
+            <a:fillRect/>
+          </a:stretch>
+        </p:blipFill>
+        <p:spPr>
+          <a:xfrm>
+            <a:off x="46233" y="2659050"/>
+            <a:ext cx="12099532" cy="2364170"/>
+          </a:xfrm>
+        </p:spPr>
+      </p:pic>
+    </p:spTree>
+    <p:extLst>
+      <p:ext uri="{BB962C8B-B14F-4D97-AF65-F5344CB8AC3E}">
+        <p14:creationId xmlns:p14="http://schemas.microsoft.com/office/powerpoint/2010/main" val="2815025481"/>
+      </p:ext>
+    </p:extLst>
+  </p:cSld>
+  <p:clrMapOvr>
+    <a:masterClrMapping/>
+  </p:clrMapOvr>
+</p:sld>
+</file>
+
+<file path=ppt/slides/slide11.xml><?xml version="1.0" encoding="utf-8"?>
+<p:sld xmlns:a="http://schemas.openxmlformats.org/drawingml/2006/main" xmlns:r="http://schemas.openxmlformats.org/officeDocument/2006/relationships" xmlns:p="http://schemas.openxmlformats.org/presentationml/2006/main">
+  <p:cSld>
+    <p:spTree>
+      <p:nvGrpSpPr>
+        <p:cNvPr id="1" name=""/>
+        <p:cNvGrpSpPr/>
+        <p:nvPr/>
+      </p:nvGrpSpPr>
+      <p:grpSpPr>
+        <a:xfrm>
+          <a:off x="0" y="0"/>
+          <a:ext cx="0" cy="0"/>
+          <a:chOff x="0" y="0"/>
+          <a:chExt cx="0" cy="0"/>
+        </a:xfrm>
+      </p:grpSpPr>
+      <p:sp>
+        <p:nvSpPr>
+          <p:cNvPr id="2" name="Title 1">
+            <a:extLst>
+              <a:ext uri="{FF2B5EF4-FFF2-40B4-BE49-F238E27FC236}">
                 <a16:creationId xmlns:a16="http://schemas.microsoft.com/office/drawing/2014/main" id="{090CF40F-6875-75BD-8480-87EA2B77D0CD}"/>
               </a:ext>
             </a:extLst>
@@ -8256,7 +8355,7 @@
 </p:sld>
 </file>
 
-<file path=ppt/slides/slide11.xml><?xml version="1.0" encoding="utf-8"?>
+<file path=ppt/slides/slide12.xml><?xml version="1.0" encoding="utf-8"?>
 <p:sld xmlns:a="http://schemas.openxmlformats.org/drawingml/2006/main" xmlns:r="http://schemas.openxmlformats.org/officeDocument/2006/relationships" xmlns:p="http://schemas.openxmlformats.org/presentationml/2006/main">
   <p:cSld>
     <p:spTree>
@@ -8354,7 +8453,7 @@
 </p:sld>
 </file>
 
-<file path=ppt/slides/slide12.xml><?xml version="1.0" encoding="utf-8"?>
+<file path=ppt/slides/slide13.xml><?xml version="1.0" encoding="utf-8"?>
 <p:sld xmlns:a="http://schemas.openxmlformats.org/drawingml/2006/main" xmlns:r="http://schemas.openxmlformats.org/officeDocument/2006/relationships" xmlns:p="http://schemas.openxmlformats.org/presentationml/2006/main">
   <p:cSld>
     <p:spTree>
@@ -8456,7 +8555,7 @@
 </p:sld>
 </file>
 
-<file path=ppt/slides/slide13.xml><?xml version="1.0" encoding="utf-8"?>
+<file path=ppt/slides/slide14.xml><?xml version="1.0" encoding="utf-8"?>
 <p:sld xmlns:a="http://schemas.openxmlformats.org/drawingml/2006/main" xmlns:r="http://schemas.openxmlformats.org/officeDocument/2006/relationships" xmlns:p="http://schemas.openxmlformats.org/presentationml/2006/main">
   <p:cSld>
     <p:spTree>
@@ -8527,7 +8626,7 @@
 </p:sld>
 </file>
 
-<file path=ppt/slides/slide14.xml><?xml version="1.0" encoding="utf-8"?>
+<file path=ppt/slides/slide15.xml><?xml version="1.0" encoding="utf-8"?>
 <p:sld xmlns:a="http://schemas.openxmlformats.org/drawingml/2006/main" xmlns:r="http://schemas.openxmlformats.org/officeDocument/2006/relationships" xmlns:p="http://schemas.openxmlformats.org/presentationml/2006/main">
   <p:cSld>
     <p:bg>
@@ -9111,7 +9210,7 @@
 </p:sld>
 </file>
 
-<file path=ppt/slides/slide15.xml><?xml version="1.0" encoding="utf-8"?>
+<file path=ppt/slides/slide16.xml><?xml version="1.0" encoding="utf-8"?>
 <p:sld xmlns:a="http://schemas.openxmlformats.org/drawingml/2006/main" xmlns:r="http://schemas.openxmlformats.org/officeDocument/2006/relationships" xmlns:p="http://schemas.openxmlformats.org/presentationml/2006/main">
   <p:cSld>
     <p:spTree>
@@ -9171,7 +9270,7 @@
 </p:sld>
 </file>
 
-<file path=ppt/slides/slide16.xml><?xml version="1.0" encoding="utf-8"?>
+<file path=ppt/slides/slide17.xml><?xml version="1.0" encoding="utf-8"?>
 <p:sld xmlns:a="http://schemas.openxmlformats.org/drawingml/2006/main" xmlns:r="http://schemas.openxmlformats.org/officeDocument/2006/relationships" xmlns:p="http://schemas.openxmlformats.org/presentationml/2006/main">
   <p:cSld>
     <p:bg>
@@ -10044,7 +10143,7 @@
 </p:sld>
 </file>
 
-<file path=ppt/slides/slide17.xml><?xml version="1.0" encoding="utf-8"?>
+<file path=ppt/slides/slide18.xml><?xml version="1.0" encoding="utf-8"?>
 <p:sld xmlns:a="http://schemas.openxmlformats.org/drawingml/2006/main" xmlns:r="http://schemas.openxmlformats.org/officeDocument/2006/relationships" xmlns:p="http://schemas.openxmlformats.org/presentationml/2006/main">
   <p:cSld>
     <p:spTree>
@@ -10138,7 +10237,7 @@
 </p:sld>
 </file>
 
-<file path=ppt/slides/slide18.xml><?xml version="1.0" encoding="utf-8"?>
+<file path=ppt/slides/slide19.xml><?xml version="1.0" encoding="utf-8"?>
 <p:sld xmlns:a="http://schemas.openxmlformats.org/drawingml/2006/main" xmlns:r="http://schemas.openxmlformats.org/officeDocument/2006/relationships" xmlns:p="http://schemas.openxmlformats.org/presentationml/2006/main">
   <p:cSld>
     <p:bg>
@@ -11240,7 +11339,7 @@
             </a:r>
             <a:r>
               <a:rPr lang="en-US" sz="1400" dirty="0"/>
-              <a:t> Selenium WebDriver </a:t>
+              <a:t> Selenium</a:t>
             </a:r>
           </a:p>
           <a:p>
@@ -13341,6 +13440,950 @@
     <p:bg>
       <p:bgPr>
         <a:solidFill>
+          <a:schemeClr val="bg1"/>
+        </a:solidFill>
+        <a:effectLst/>
+      </p:bgPr>
+    </p:bg>
+    <p:spTree>
+      <p:nvGrpSpPr>
+        <p:cNvPr id="1" name=""/>
+        <p:cNvGrpSpPr/>
+        <p:nvPr/>
+      </p:nvGrpSpPr>
+      <p:grpSpPr>
+        <a:xfrm>
+          <a:off x="0" y="0"/>
+          <a:ext cx="0" cy="0"/>
+          <a:chOff x="0" y="0"/>
+          <a:chExt cx="0" cy="0"/>
+        </a:xfrm>
+      </p:grpSpPr>
+      <p:sp>
+        <p:nvSpPr>
+          <p:cNvPr id="32" name="Freeform 6">
+            <a:extLst>
+              <a:ext uri="{FF2B5EF4-FFF2-40B4-BE49-F238E27FC236}">
+                <a16:creationId xmlns:a16="http://schemas.microsoft.com/office/drawing/2014/main" id="{72411438-92A5-42B0-9C54-EA4FB32ACB5E}"/>
+              </a:ext>
+              <a:ext uri="{C183D7F6-B498-43B3-948B-1728B52AA6E4}">
+                <adec:decorative xmlns:adec="http://schemas.microsoft.com/office/drawing/2017/decorative" val="1"/>
+              </a:ext>
+            </a:extLst>
+          </p:cNvPr>
+          <p:cNvSpPr>
+            <a:spLocks noGrp="1" noRot="1" noChangeAspect="1" noMove="1" noResize="1" noEditPoints="1" noAdjustHandles="1" noChangeArrowheads="1" noChangeShapeType="1" noTextEdit="1"/>
+          </p:cNvSpPr>
+          <p:nvPr>
+            <p:extLst>
+              <p:ext uri="{386F3935-93C4-4BCD-93E2-E3B085C9AB24}">
+                <p16:designElem xmlns:p16="http://schemas.microsoft.com/office/powerpoint/2015/main" val="1"/>
+              </p:ext>
+            </p:extLst>
+          </p:nvPr>
+        </p:nvSpPr>
+        <p:spPr bwMode="auto">
+          <a:xfrm>
+            <a:off x="11784011" y="5778801"/>
+            <a:ext cx="407988" cy="819150"/>
+          </a:xfrm>
+          <a:custGeom>
+            <a:avLst/>
+            <a:gdLst/>
+            <a:ahLst/>
+            <a:cxnLst/>
+            <a:rect l="0" t="0" r="r" b="b"/>
+            <a:pathLst>
+              <a:path w="1799" h="3612">
+                <a:moveTo>
+                  <a:pt x="1799" y="0"/>
+                </a:moveTo>
+                <a:lnTo>
+                  <a:pt x="1799" y="3612"/>
+                </a:lnTo>
+                <a:lnTo>
+                  <a:pt x="1686" y="3609"/>
+                </a:lnTo>
+                <a:lnTo>
+                  <a:pt x="1574" y="3598"/>
+                </a:lnTo>
+                <a:lnTo>
+                  <a:pt x="1464" y="3581"/>
+                </a:lnTo>
+                <a:lnTo>
+                  <a:pt x="1357" y="3557"/>
+                </a:lnTo>
+                <a:lnTo>
+                  <a:pt x="1251" y="3527"/>
+                </a:lnTo>
+                <a:lnTo>
+                  <a:pt x="1150" y="3490"/>
+                </a:lnTo>
+                <a:lnTo>
+                  <a:pt x="1050" y="3448"/>
+                </a:lnTo>
+                <a:lnTo>
+                  <a:pt x="953" y="3401"/>
+                </a:lnTo>
+                <a:lnTo>
+                  <a:pt x="860" y="3347"/>
+                </a:lnTo>
+                <a:lnTo>
+                  <a:pt x="771" y="3289"/>
+                </a:lnTo>
+                <a:lnTo>
+                  <a:pt x="686" y="3224"/>
+                </a:lnTo>
+                <a:lnTo>
+                  <a:pt x="604" y="3156"/>
+                </a:lnTo>
+                <a:lnTo>
+                  <a:pt x="527" y="3083"/>
+                </a:lnTo>
+                <a:lnTo>
+                  <a:pt x="454" y="3005"/>
+                </a:lnTo>
+                <a:lnTo>
+                  <a:pt x="386" y="2923"/>
+                </a:lnTo>
+                <a:lnTo>
+                  <a:pt x="323" y="2838"/>
+                </a:lnTo>
+                <a:lnTo>
+                  <a:pt x="265" y="2748"/>
+                </a:lnTo>
+                <a:lnTo>
+                  <a:pt x="211" y="2655"/>
+                </a:lnTo>
+                <a:lnTo>
+                  <a:pt x="163" y="2559"/>
+                </a:lnTo>
+                <a:lnTo>
+                  <a:pt x="121" y="2459"/>
+                </a:lnTo>
+                <a:lnTo>
+                  <a:pt x="85" y="2356"/>
+                </a:lnTo>
+                <a:lnTo>
+                  <a:pt x="55" y="2251"/>
+                </a:lnTo>
+                <a:lnTo>
+                  <a:pt x="32" y="2143"/>
+                </a:lnTo>
+                <a:lnTo>
+                  <a:pt x="14" y="2033"/>
+                </a:lnTo>
+                <a:lnTo>
+                  <a:pt x="4" y="1920"/>
+                </a:lnTo>
+                <a:lnTo>
+                  <a:pt x="0" y="1806"/>
+                </a:lnTo>
+                <a:lnTo>
+                  <a:pt x="4" y="1692"/>
+                </a:lnTo>
+                <a:lnTo>
+                  <a:pt x="14" y="1580"/>
+                </a:lnTo>
+                <a:lnTo>
+                  <a:pt x="32" y="1469"/>
+                </a:lnTo>
+                <a:lnTo>
+                  <a:pt x="55" y="1362"/>
+                </a:lnTo>
+                <a:lnTo>
+                  <a:pt x="85" y="1256"/>
+                </a:lnTo>
+                <a:lnTo>
+                  <a:pt x="121" y="1154"/>
+                </a:lnTo>
+                <a:lnTo>
+                  <a:pt x="163" y="1054"/>
+                </a:lnTo>
+                <a:lnTo>
+                  <a:pt x="211" y="958"/>
+                </a:lnTo>
+                <a:lnTo>
+                  <a:pt x="265" y="864"/>
+                </a:lnTo>
+                <a:lnTo>
+                  <a:pt x="323" y="774"/>
+                </a:lnTo>
+                <a:lnTo>
+                  <a:pt x="386" y="689"/>
+                </a:lnTo>
+                <a:lnTo>
+                  <a:pt x="454" y="607"/>
+                </a:lnTo>
+                <a:lnTo>
+                  <a:pt x="527" y="529"/>
+                </a:lnTo>
+                <a:lnTo>
+                  <a:pt x="604" y="456"/>
+                </a:lnTo>
+                <a:lnTo>
+                  <a:pt x="686" y="388"/>
+                </a:lnTo>
+                <a:lnTo>
+                  <a:pt x="771" y="325"/>
+                </a:lnTo>
+                <a:lnTo>
+                  <a:pt x="860" y="266"/>
+                </a:lnTo>
+                <a:lnTo>
+                  <a:pt x="953" y="212"/>
+                </a:lnTo>
+                <a:lnTo>
+                  <a:pt x="1050" y="164"/>
+                </a:lnTo>
+                <a:lnTo>
+                  <a:pt x="1150" y="122"/>
+                </a:lnTo>
+                <a:lnTo>
+                  <a:pt x="1251" y="85"/>
+                </a:lnTo>
+                <a:lnTo>
+                  <a:pt x="1357" y="55"/>
+                </a:lnTo>
+                <a:lnTo>
+                  <a:pt x="1464" y="32"/>
+                </a:lnTo>
+                <a:lnTo>
+                  <a:pt x="1574" y="14"/>
+                </a:lnTo>
+                <a:lnTo>
+                  <a:pt x="1686" y="5"/>
+                </a:lnTo>
+                <a:lnTo>
+                  <a:pt x="1799" y="0"/>
+                </a:lnTo>
+                <a:close/>
+              </a:path>
+            </a:pathLst>
+          </a:custGeom>
+          <a:solidFill>
+            <a:schemeClr val="tx1">
+              <a:lumMod val="85000"/>
+              <a:lumOff val="15000"/>
+            </a:schemeClr>
+          </a:solidFill>
+          <a:ln w="0">
+            <a:noFill/>
+            <a:prstDash val="solid"/>
+            <a:round/>
+            <a:headEnd/>
+            <a:tailEnd/>
+          </a:ln>
+        </p:spPr>
+        <p:txBody>
+          <a:bodyPr anchor="ctr"/>
+          <a:lstStyle/>
+          <a:p>
+            <a:endParaRPr lang="en-US"/>
+          </a:p>
+        </p:txBody>
+      </p:sp>
+      <p:sp useBgFill="1">
+        <p:nvSpPr>
+          <p:cNvPr id="34" name="Rectangle 33">
+            <a:extLst>
+              <a:ext uri="{FF2B5EF4-FFF2-40B4-BE49-F238E27FC236}">
+                <a16:creationId xmlns:a16="http://schemas.microsoft.com/office/drawing/2014/main" id="{10C9A191-62EE-4A86-8FF9-6794BC3C58A7}"/>
+              </a:ext>
+              <a:ext uri="{C183D7F6-B498-43B3-948B-1728B52AA6E4}">
+                <adec:decorative xmlns:adec="http://schemas.microsoft.com/office/drawing/2017/decorative" val="1"/>
+              </a:ext>
+            </a:extLst>
+          </p:cNvPr>
+          <p:cNvSpPr>
+            <a:spLocks noGrp="1" noRot="1" noChangeAspect="1" noMove="1" noResize="1" noEditPoints="1" noAdjustHandles="1" noChangeArrowheads="1" noChangeShapeType="1" noTextEdit="1"/>
+          </p:cNvSpPr>
+          <p:nvPr>
+            <p:extLst>
+              <p:ext uri="{386F3935-93C4-4BCD-93E2-E3B085C9AB24}">
+                <p16:designElem xmlns:p16="http://schemas.microsoft.com/office/powerpoint/2015/main" val="1"/>
+              </p:ext>
+            </p:extLst>
+          </p:nvPr>
+        </p:nvSpPr>
+        <p:spPr>
+          <a:xfrm>
+            <a:off x="1" y="0"/>
+            <a:ext cx="12191999" cy="6858000"/>
+          </a:xfrm>
+          <a:prstGeom prst="rect">
+            <a:avLst/>
+          </a:prstGeom>
+          <a:ln>
+            <a:noFill/>
+          </a:ln>
+        </p:spPr>
+        <p:style>
+          <a:lnRef idx="2">
+            <a:schemeClr val="accent1">
+              <a:shade val="50000"/>
+            </a:schemeClr>
+          </a:lnRef>
+          <a:fillRef idx="1">
+            <a:schemeClr val="accent1"/>
+          </a:fillRef>
+          <a:effectRef idx="0">
+            <a:schemeClr val="accent1"/>
+          </a:effectRef>
+          <a:fontRef idx="minor">
+            <a:schemeClr val="lt1"/>
+          </a:fontRef>
+        </p:style>
+        <p:txBody>
+          <a:bodyPr rtlCol="0" anchor="ctr"/>
+          <a:lstStyle/>
+          <a:p>
+            <a:pPr algn="ctr"/>
+            <a:endParaRPr lang="en-US"/>
+          </a:p>
+        </p:txBody>
+      </p:sp>
+      <p:pic>
+        <p:nvPicPr>
+          <p:cNvPr id="7" name="Picture 6" descr="Cartoon of a person standing in front of signs&#10;&#10;AI-generated content may be incorrect.">
+            <a:extLst>
+              <a:ext uri="{FF2B5EF4-FFF2-40B4-BE49-F238E27FC236}">
+                <a16:creationId xmlns:a16="http://schemas.microsoft.com/office/drawing/2014/main" id="{C88ECF3F-4005-16EC-D66D-4961C931FFC1}"/>
+              </a:ext>
+            </a:extLst>
+          </p:cNvPr>
+          <p:cNvPicPr>
+            <a:picLocks noChangeAspect="1"/>
+          </p:cNvPicPr>
+          <p:nvPr/>
+        </p:nvPicPr>
+        <p:blipFill>
+          <a:blip r:embed="rId2">
+            <a:duotone>
+              <a:schemeClr val="bg2">
+                <a:shade val="45000"/>
+                <a:satMod val="135000"/>
+              </a:schemeClr>
+              <a:prstClr val="white"/>
+            </a:duotone>
+            <a:alphaModFix amt="40000"/>
+          </a:blip>
+          <a:srcRect t="13676" b="5967"/>
+          <a:stretch>
+            <a:fillRect/>
+          </a:stretch>
+        </p:blipFill>
+        <p:spPr>
+          <a:xfrm>
+            <a:off x="59841" y="255286"/>
+            <a:ext cx="12191980" cy="6857990"/>
+          </a:xfrm>
+          <a:prstGeom prst="rect">
+            <a:avLst/>
+          </a:prstGeom>
+        </p:spPr>
+      </p:pic>
+      <p:sp>
+        <p:nvSpPr>
+          <p:cNvPr id="36" name="Rectangle 35">
+            <a:extLst>
+              <a:ext uri="{FF2B5EF4-FFF2-40B4-BE49-F238E27FC236}">
+                <a16:creationId xmlns:a16="http://schemas.microsoft.com/office/drawing/2014/main" id="{6222F81D-28CB-42CB-9961-602C33F65295}"/>
+              </a:ext>
+              <a:ext uri="{C183D7F6-B498-43B3-948B-1728B52AA6E4}">
+                <adec:decorative xmlns:adec="http://schemas.microsoft.com/office/drawing/2017/decorative" val="1"/>
+              </a:ext>
+            </a:extLst>
+          </p:cNvPr>
+          <p:cNvSpPr>
+            <a:spLocks noGrp="1" noRot="1" noChangeAspect="1" noMove="1" noResize="1" noEditPoints="1" noAdjustHandles="1" noChangeArrowheads="1" noChangeShapeType="1" noTextEdit="1"/>
+          </p:cNvSpPr>
+          <p:nvPr>
+            <p:extLst>
+              <p:ext uri="{386F3935-93C4-4BCD-93E2-E3B085C9AB24}">
+                <p16:designElem xmlns:p16="http://schemas.microsoft.com/office/powerpoint/2015/main" val="1"/>
+              </p:ext>
+            </p:extLst>
+          </p:nvPr>
+        </p:nvSpPr>
+        <p:spPr bwMode="grayWhite">
+          <a:xfrm>
+            <a:off x="0" y="0"/>
+            <a:ext cx="12191999" cy="6858000"/>
+          </a:xfrm>
+          <a:prstGeom prst="rect">
+            <a:avLst/>
+          </a:prstGeom>
+          <a:solidFill>
+            <a:schemeClr val="bg2">
+              <a:alpha val="60000"/>
+            </a:schemeClr>
+          </a:solidFill>
+          <a:ln>
+            <a:noFill/>
+          </a:ln>
+        </p:spPr>
+        <p:style>
+          <a:lnRef idx="2">
+            <a:schemeClr val="accent1">
+              <a:shade val="50000"/>
+            </a:schemeClr>
+          </a:lnRef>
+          <a:fillRef idx="1">
+            <a:schemeClr val="accent1"/>
+          </a:fillRef>
+          <a:effectRef idx="0">
+            <a:schemeClr val="accent1"/>
+          </a:effectRef>
+          <a:fontRef idx="minor">
+            <a:schemeClr val="lt1"/>
+          </a:fontRef>
+        </p:style>
+        <p:txBody>
+          <a:bodyPr rtlCol="0" anchor="ctr"/>
+          <a:lstStyle/>
+          <a:p>
+            <a:pPr algn="ctr"/>
+            <a:endParaRPr lang="en-US"/>
+          </a:p>
+        </p:txBody>
+      </p:sp>
+      <p:sp>
+        <p:nvSpPr>
+          <p:cNvPr id="4" name="Title 3">
+            <a:extLst>
+              <a:ext uri="{FF2B5EF4-FFF2-40B4-BE49-F238E27FC236}">
+                <a16:creationId xmlns:a16="http://schemas.microsoft.com/office/drawing/2014/main" id="{D83195A3-109D-9DDC-3D7B-49700FAA9D7E}"/>
+              </a:ext>
+            </a:extLst>
+          </p:cNvPr>
+          <p:cNvSpPr>
+            <a:spLocks noGrp="1"/>
+          </p:cNvSpPr>
+          <p:nvPr>
+            <p:ph type="title"/>
+          </p:nvPr>
+        </p:nvSpPr>
+        <p:spPr>
+          <a:xfrm>
+            <a:off x="692211" y="1542885"/>
+            <a:ext cx="3898078" cy="4148614"/>
+          </a:xfrm>
+        </p:spPr>
+        <p:txBody>
+          <a:bodyPr vert="horz" lIns="91440" tIns="45720" rIns="91440" bIns="45720" rtlCol="0" anchor="t">
+            <a:normAutofit/>
+          </a:bodyPr>
+          <a:lstStyle/>
+          <a:p>
+            <a:r>
+              <a:rPr lang="en-US" sz="4700" b="1" i="1" kern="1200" spc="100" baseline="0" dirty="0">
+                <a:solidFill>
+                  <a:schemeClr val="tx1">
+                    <a:lumMod val="85000"/>
+                    <a:lumOff val="15000"/>
+                  </a:schemeClr>
+                </a:solidFill>
+                <a:latin typeface="+mj-lt"/>
+                <a:ea typeface="+mj-ea"/>
+                <a:cs typeface="+mj-cs"/>
+              </a:rPr>
+              <a:t>Best Practices for Web Scraping</a:t>
+            </a:r>
+            <a:br>
+              <a:rPr lang="en-US" sz="4700" b="1" i="1" kern="1200" spc="100" baseline="0" dirty="0">
+                <a:solidFill>
+                  <a:schemeClr val="tx1">
+                    <a:lumMod val="85000"/>
+                    <a:lumOff val="15000"/>
+                  </a:schemeClr>
+                </a:solidFill>
+                <a:latin typeface="+mj-lt"/>
+                <a:ea typeface="+mj-ea"/>
+                <a:cs typeface="+mj-cs"/>
+              </a:rPr>
+            </a:br>
+            <a:br>
+              <a:rPr lang="en-US" sz="4700" i="1" kern="1200" spc="100" baseline="0" dirty="0">
+                <a:solidFill>
+                  <a:schemeClr val="tx1">
+                    <a:lumMod val="85000"/>
+                    <a:lumOff val="15000"/>
+                  </a:schemeClr>
+                </a:solidFill>
+                <a:latin typeface="+mj-lt"/>
+                <a:ea typeface="+mj-ea"/>
+                <a:cs typeface="+mj-cs"/>
+              </a:rPr>
+            </a:br>
+            <a:br>
+              <a:rPr lang="en-US" sz="4700" i="1" kern="1200" spc="100" baseline="0" dirty="0">
+                <a:solidFill>
+                  <a:schemeClr val="tx1">
+                    <a:lumMod val="85000"/>
+                    <a:lumOff val="15000"/>
+                  </a:schemeClr>
+                </a:solidFill>
+                <a:latin typeface="+mj-lt"/>
+                <a:ea typeface="+mj-ea"/>
+                <a:cs typeface="+mj-cs"/>
+              </a:rPr>
+            </a:br>
+            <a:endParaRPr lang="en-US" sz="4700" i="1" kern="1200" spc="100" baseline="0" dirty="0">
+              <a:solidFill>
+                <a:schemeClr val="tx1">
+                  <a:lumMod val="85000"/>
+                  <a:lumOff val="15000"/>
+                </a:schemeClr>
+              </a:solidFill>
+              <a:latin typeface="+mj-lt"/>
+              <a:ea typeface="+mj-ea"/>
+              <a:cs typeface="+mj-cs"/>
+            </a:endParaRPr>
+          </a:p>
+        </p:txBody>
+      </p:sp>
+      <p:cxnSp>
+        <p:nvCxnSpPr>
+          <p:cNvPr id="38" name="Straight Connector 37">
+            <a:extLst>
+              <a:ext uri="{FF2B5EF4-FFF2-40B4-BE49-F238E27FC236}">
+                <a16:creationId xmlns:a16="http://schemas.microsoft.com/office/drawing/2014/main" id="{081E1E49-F752-49CA-BFF6-1303B0A8AA03}"/>
+              </a:ext>
+              <a:ext uri="{C183D7F6-B498-43B3-948B-1728B52AA6E4}">
+                <adec:decorative xmlns:adec="http://schemas.microsoft.com/office/drawing/2017/decorative" val="1"/>
+              </a:ext>
+            </a:extLst>
+          </p:cNvPr>
+          <p:cNvCxnSpPr>
+            <a:cxnSpLocks noGrp="1" noRot="1" noChangeAspect="1" noMove="1" noResize="1" noEditPoints="1" noAdjustHandles="1" noChangeArrowheads="1" noChangeShapeType="1"/>
+          </p:cNvCxnSpPr>
+          <p:nvPr>
+            <p:extLst>
+              <p:ext uri="{386F3935-93C4-4BCD-93E2-E3B085C9AB24}">
+                <p16:designElem xmlns:p16="http://schemas.microsoft.com/office/powerpoint/2015/main" val="1"/>
+              </p:ext>
+            </p:extLst>
+          </p:nvPr>
+        </p:nvCxnSpPr>
+        <p:spPr>
+          <a:xfrm>
+            <a:off x="4912021" y="1143293"/>
+            <a:ext cx="0" cy="5714707"/>
+          </a:xfrm>
+          <a:prstGeom prst="line">
+            <a:avLst/>
+          </a:prstGeom>
+          <a:ln w="19050">
+            <a:solidFill>
+              <a:schemeClr val="tx1"/>
+            </a:solidFill>
+          </a:ln>
+        </p:spPr>
+        <p:style>
+          <a:lnRef idx="1">
+            <a:schemeClr val="accent1"/>
+          </a:lnRef>
+          <a:fillRef idx="0">
+            <a:schemeClr val="accent1"/>
+          </a:fillRef>
+          <a:effectRef idx="0">
+            <a:schemeClr val="accent1"/>
+          </a:effectRef>
+          <a:fontRef idx="minor">
+            <a:schemeClr val="tx1"/>
+          </a:fontRef>
+        </p:style>
+      </p:cxnSp>
+      <p:sp>
+        <p:nvSpPr>
+          <p:cNvPr id="3" name="Content Placeholder 2">
+            <a:extLst>
+              <a:ext uri="{FF2B5EF4-FFF2-40B4-BE49-F238E27FC236}">
+                <a16:creationId xmlns:a16="http://schemas.microsoft.com/office/drawing/2014/main" id="{1155B782-981F-D7A3-9FB7-130C62CD73E1}"/>
+              </a:ext>
+            </a:extLst>
+          </p:cNvPr>
+          <p:cNvSpPr>
+            <a:spLocks noGrp="1"/>
+          </p:cNvSpPr>
+          <p:nvPr>
+            <p:ph sz="half" idx="2"/>
+          </p:nvPr>
+        </p:nvSpPr>
+        <p:spPr>
+          <a:xfrm>
+            <a:off x="5019472" y="1143293"/>
+            <a:ext cx="7172528" cy="5454657"/>
+          </a:xfrm>
+        </p:spPr>
+        <p:txBody>
+          <a:bodyPr vert="horz" lIns="91440" tIns="45720" rIns="91440" bIns="45720" rtlCol="0" anchor="ctr">
+            <a:normAutofit/>
+          </a:bodyPr>
+          <a:lstStyle/>
+          <a:p>
+            <a:pPr indent="-228600">
+              <a:lnSpc>
+                <a:spcPct val="150000"/>
+              </a:lnSpc>
+              <a:buFont typeface="Arial" panose="020B0604020202020204" pitchFamily="34" charset="0"/>
+              <a:buAutoNum type="arabicPeriod"/>
+            </a:pPr>
+            <a:r>
+              <a:rPr lang="en-US" sz="1800" b="1" dirty="0"/>
+              <a:t>IMPORTANT:</a:t>
+            </a:r>
+            <a:r>
+              <a:rPr lang="en-US" sz="1800" dirty="0"/>
+              <a:t> Before scraping any website, you must:</a:t>
+            </a:r>
+          </a:p>
+          <a:p>
+            <a:pPr marL="468630" indent="-285750">
+              <a:lnSpc>
+                <a:spcPct val="150000"/>
+              </a:lnSpc>
+            </a:pPr>
+            <a:r>
+              <a:rPr lang="en-US" sz="1800" b="1" dirty="0"/>
+              <a:t>Review Terms of Service</a:t>
+            </a:r>
+          </a:p>
+          <a:p>
+            <a:pPr marL="468630" indent="-285750">
+              <a:lnSpc>
+                <a:spcPct val="150000"/>
+              </a:lnSpc>
+            </a:pPr>
+            <a:r>
+              <a:rPr lang="en-US" sz="1800" b="1" dirty="0"/>
+              <a:t>Check </a:t>
+            </a:r>
+            <a:r>
+              <a:rPr lang="en-US" sz="1800" b="1" dirty="0" err="1"/>
+              <a:t>robots.txt</a:t>
+            </a:r>
+            <a:r>
+              <a:rPr lang="en-US" sz="1800" b="1" dirty="0"/>
+              <a:t> file</a:t>
+            </a:r>
+            <a:endParaRPr lang="en-US" sz="1800" dirty="0"/>
+          </a:p>
+          <a:p>
+            <a:pPr marL="468630" indent="-285750">
+              <a:lnSpc>
+                <a:spcPct val="150000"/>
+              </a:lnSpc>
+            </a:pPr>
+            <a:r>
+              <a:rPr lang="en-US" sz="1800" b="1" dirty="0"/>
+              <a:t>Respect copyright</a:t>
+            </a:r>
+            <a:endParaRPr lang="en-US" sz="1800" dirty="0"/>
+          </a:p>
+          <a:p>
+            <a:pPr marL="525780" indent="-342900">
+              <a:lnSpc>
+                <a:spcPct val="150000"/>
+              </a:lnSpc>
+              <a:buFont typeface="+mj-lt"/>
+              <a:buAutoNum type="arabicPeriod" startAt="2"/>
+            </a:pPr>
+            <a:r>
+              <a:rPr lang="en-US" sz="1800" b="1" dirty="0"/>
+              <a:t>Consider legal alternatives:</a:t>
+            </a:r>
+            <a:endParaRPr lang="en-US" sz="1800" b="1" i="1" dirty="0"/>
+          </a:p>
+          <a:p>
+            <a:pPr marL="468630" indent="-285750">
+              <a:lnSpc>
+                <a:spcPct val="150000"/>
+              </a:lnSpc>
+            </a:pPr>
+            <a:r>
+              <a:rPr lang="en-US" sz="1800" i="0" dirty="0"/>
+              <a:t>Use official APIs </a:t>
+            </a:r>
+          </a:p>
+          <a:p>
+            <a:pPr marL="468630" indent="-285750">
+              <a:lnSpc>
+                <a:spcPct val="150000"/>
+              </a:lnSpc>
+            </a:pPr>
+            <a:r>
+              <a:rPr lang="en-US" sz="1800" i="0" dirty="0"/>
+              <a:t>Use datasets from Kaggle or data repositories</a:t>
+            </a:r>
+          </a:p>
+          <a:p>
+            <a:pPr marL="468630" lvl="1" indent="-285750">
+              <a:lnSpc>
+                <a:spcPct val="150000"/>
+              </a:lnSpc>
+              <a:buFont typeface="Arial" panose="020B0604020202020204" pitchFamily="34" charset="0"/>
+              <a:buChar char="•"/>
+            </a:pPr>
+            <a:r>
+              <a:rPr lang="en-US" i="0" dirty="0"/>
+              <a:t>Scrape sites explicitly designed for it</a:t>
+            </a:r>
+          </a:p>
+          <a:p>
+            <a:pPr>
+              <a:lnSpc>
+                <a:spcPct val="100000"/>
+              </a:lnSpc>
+            </a:pPr>
+            <a:endParaRPr lang="en-US" sz="1800" dirty="0"/>
+          </a:p>
+        </p:txBody>
+      </p:sp>
+      <p:sp>
+        <p:nvSpPr>
+          <p:cNvPr id="40" name="Freeform 6">
+            <a:extLst>
+              <a:ext uri="{FF2B5EF4-FFF2-40B4-BE49-F238E27FC236}">
+                <a16:creationId xmlns:a16="http://schemas.microsoft.com/office/drawing/2014/main" id="{4E75910E-4112-4447-8981-4CA7ACEF94BA}"/>
+              </a:ext>
+              <a:ext uri="{C183D7F6-B498-43B3-948B-1728B52AA6E4}">
+                <adec:decorative xmlns:adec="http://schemas.microsoft.com/office/drawing/2017/decorative" val="1"/>
+              </a:ext>
+            </a:extLst>
+          </p:cNvPr>
+          <p:cNvSpPr>
+            <a:spLocks noGrp="1" noRot="1" noChangeAspect="1" noMove="1" noResize="1" noEditPoints="1" noAdjustHandles="1" noChangeArrowheads="1" noChangeShapeType="1" noTextEdit="1"/>
+          </p:cNvSpPr>
+          <p:nvPr>
+            <p:extLst>
+              <p:ext uri="{386F3935-93C4-4BCD-93E2-E3B085C9AB24}">
+                <p16:designElem xmlns:p16="http://schemas.microsoft.com/office/powerpoint/2015/main" val="1"/>
+              </p:ext>
+            </p:extLst>
+          </p:nvPr>
+        </p:nvSpPr>
+        <p:spPr bwMode="auto">
+          <a:xfrm>
+            <a:off x="11784011" y="5783564"/>
+            <a:ext cx="407988" cy="819150"/>
+          </a:xfrm>
+          <a:custGeom>
+            <a:avLst/>
+            <a:gdLst/>
+            <a:ahLst/>
+            <a:cxnLst/>
+            <a:rect l="0" t="0" r="r" b="b"/>
+            <a:pathLst>
+              <a:path w="1799" h="3612">
+                <a:moveTo>
+                  <a:pt x="1799" y="0"/>
+                </a:moveTo>
+                <a:lnTo>
+                  <a:pt x="1799" y="3612"/>
+                </a:lnTo>
+                <a:lnTo>
+                  <a:pt x="1686" y="3609"/>
+                </a:lnTo>
+                <a:lnTo>
+                  <a:pt x="1574" y="3598"/>
+                </a:lnTo>
+                <a:lnTo>
+                  <a:pt x="1464" y="3581"/>
+                </a:lnTo>
+                <a:lnTo>
+                  <a:pt x="1357" y="3557"/>
+                </a:lnTo>
+                <a:lnTo>
+                  <a:pt x="1251" y="3527"/>
+                </a:lnTo>
+                <a:lnTo>
+                  <a:pt x="1150" y="3490"/>
+                </a:lnTo>
+                <a:lnTo>
+                  <a:pt x="1050" y="3448"/>
+                </a:lnTo>
+                <a:lnTo>
+                  <a:pt x="953" y="3401"/>
+                </a:lnTo>
+                <a:lnTo>
+                  <a:pt x="860" y="3347"/>
+                </a:lnTo>
+                <a:lnTo>
+                  <a:pt x="771" y="3289"/>
+                </a:lnTo>
+                <a:lnTo>
+                  <a:pt x="686" y="3224"/>
+                </a:lnTo>
+                <a:lnTo>
+                  <a:pt x="604" y="3156"/>
+                </a:lnTo>
+                <a:lnTo>
+                  <a:pt x="527" y="3083"/>
+                </a:lnTo>
+                <a:lnTo>
+                  <a:pt x="454" y="3005"/>
+                </a:lnTo>
+                <a:lnTo>
+                  <a:pt x="386" y="2923"/>
+                </a:lnTo>
+                <a:lnTo>
+                  <a:pt x="323" y="2838"/>
+                </a:lnTo>
+                <a:lnTo>
+                  <a:pt x="265" y="2748"/>
+                </a:lnTo>
+                <a:lnTo>
+                  <a:pt x="211" y="2655"/>
+                </a:lnTo>
+                <a:lnTo>
+                  <a:pt x="163" y="2559"/>
+                </a:lnTo>
+                <a:lnTo>
+                  <a:pt x="121" y="2459"/>
+                </a:lnTo>
+                <a:lnTo>
+                  <a:pt x="85" y="2356"/>
+                </a:lnTo>
+                <a:lnTo>
+                  <a:pt x="55" y="2251"/>
+                </a:lnTo>
+                <a:lnTo>
+                  <a:pt x="32" y="2143"/>
+                </a:lnTo>
+                <a:lnTo>
+                  <a:pt x="14" y="2033"/>
+                </a:lnTo>
+                <a:lnTo>
+                  <a:pt x="4" y="1920"/>
+                </a:lnTo>
+                <a:lnTo>
+                  <a:pt x="0" y="1806"/>
+                </a:lnTo>
+                <a:lnTo>
+                  <a:pt x="4" y="1692"/>
+                </a:lnTo>
+                <a:lnTo>
+                  <a:pt x="14" y="1580"/>
+                </a:lnTo>
+                <a:lnTo>
+                  <a:pt x="32" y="1469"/>
+                </a:lnTo>
+                <a:lnTo>
+                  <a:pt x="55" y="1362"/>
+                </a:lnTo>
+                <a:lnTo>
+                  <a:pt x="85" y="1256"/>
+                </a:lnTo>
+                <a:lnTo>
+                  <a:pt x="121" y="1154"/>
+                </a:lnTo>
+                <a:lnTo>
+                  <a:pt x="163" y="1054"/>
+                </a:lnTo>
+                <a:lnTo>
+                  <a:pt x="211" y="958"/>
+                </a:lnTo>
+                <a:lnTo>
+                  <a:pt x="265" y="864"/>
+                </a:lnTo>
+                <a:lnTo>
+                  <a:pt x="323" y="774"/>
+                </a:lnTo>
+                <a:lnTo>
+                  <a:pt x="386" y="689"/>
+                </a:lnTo>
+                <a:lnTo>
+                  <a:pt x="454" y="607"/>
+                </a:lnTo>
+                <a:lnTo>
+                  <a:pt x="527" y="529"/>
+                </a:lnTo>
+                <a:lnTo>
+                  <a:pt x="604" y="456"/>
+                </a:lnTo>
+                <a:lnTo>
+                  <a:pt x="686" y="388"/>
+                </a:lnTo>
+                <a:lnTo>
+                  <a:pt x="771" y="325"/>
+                </a:lnTo>
+                <a:lnTo>
+                  <a:pt x="860" y="266"/>
+                </a:lnTo>
+                <a:lnTo>
+                  <a:pt x="953" y="212"/>
+                </a:lnTo>
+                <a:lnTo>
+                  <a:pt x="1050" y="164"/>
+                </a:lnTo>
+                <a:lnTo>
+                  <a:pt x="1150" y="122"/>
+                </a:lnTo>
+                <a:lnTo>
+                  <a:pt x="1251" y="85"/>
+                </a:lnTo>
+                <a:lnTo>
+                  <a:pt x="1357" y="55"/>
+                </a:lnTo>
+                <a:lnTo>
+                  <a:pt x="1464" y="32"/>
+                </a:lnTo>
+                <a:lnTo>
+                  <a:pt x="1574" y="14"/>
+                </a:lnTo>
+                <a:lnTo>
+                  <a:pt x="1686" y="5"/>
+                </a:lnTo>
+                <a:lnTo>
+                  <a:pt x="1799" y="0"/>
+                </a:lnTo>
+                <a:close/>
+              </a:path>
+            </a:pathLst>
+          </a:custGeom>
+          <a:solidFill>
+            <a:schemeClr val="tx1">
+              <a:lumMod val="85000"/>
+              <a:lumOff val="15000"/>
+            </a:schemeClr>
+          </a:solidFill>
+          <a:ln w="0">
+            <a:noFill/>
+            <a:prstDash val="solid"/>
+            <a:round/>
+            <a:headEnd/>
+            <a:tailEnd/>
+          </a:ln>
+        </p:spPr>
+        <p:txBody>
+          <a:bodyPr anchor="ctr"/>
+          <a:lstStyle/>
+          <a:p>
+            <a:endParaRPr lang="en-US"/>
+          </a:p>
+        </p:txBody>
+      </p:sp>
+    </p:spTree>
+    <p:extLst>
+      <p:ext uri="{BB962C8B-B14F-4D97-AF65-F5344CB8AC3E}">
+        <p14:creationId xmlns:p14="http://schemas.microsoft.com/office/powerpoint/2010/main" val="1363357102"/>
+      </p:ext>
+    </p:extLst>
+  </p:cSld>
+  <p:clrMapOvr>
+    <a:overrideClrMapping bg1="dk1" tx1="lt1" bg2="dk2" tx2="lt2" accent1="accent1" accent2="accent2" accent3="accent3" accent4="accent4" accent5="accent5" accent6="accent6" hlink="hlink" folHlink="folHlink"/>
+  </p:clrMapOvr>
+</p:sld>
+</file>
+
+<file path=ppt/slides/slide7.xml><?xml version="1.0" encoding="utf-8"?>
+<p:sld xmlns:a="http://schemas.openxmlformats.org/drawingml/2006/main" xmlns:r="http://schemas.openxmlformats.org/officeDocument/2006/relationships" xmlns:p="http://schemas.openxmlformats.org/presentationml/2006/main">
+  <p:cSld>
+    <p:bg>
+      <p:bgPr>
+        <a:solidFill>
           <a:schemeClr val="bg1">
             <a:tint val="98000"/>
             <a:satMod val="170000"/>
@@ -14023,7 +15066,7 @@
 </p:sld>
 </file>
 
-<file path=ppt/slides/slide7.xml><?xml version="1.0" encoding="utf-8"?>
+<file path=ppt/slides/slide8.xml><?xml version="1.0" encoding="utf-8"?>
 <p:sld xmlns:a="http://schemas.openxmlformats.org/drawingml/2006/main" xmlns:r="http://schemas.openxmlformats.org/officeDocument/2006/relationships" xmlns:p="http://schemas.openxmlformats.org/presentationml/2006/main">
   <p:cSld>
     <p:bg>
@@ -14484,7 +15527,7 @@
 </p:sld>
 </file>
 
-<file path=ppt/slides/slide8.xml><?xml version="1.0" encoding="utf-8"?>
+<file path=ppt/slides/slide9.xml><?xml version="1.0" encoding="utf-8"?>
 <p:sld xmlns:a="http://schemas.openxmlformats.org/drawingml/2006/main" xmlns:r="http://schemas.openxmlformats.org/officeDocument/2006/relationships" xmlns:p="http://schemas.openxmlformats.org/presentationml/2006/main">
   <p:cSld>
     <p:bg>
@@ -15164,104 +16207,6 @@
     <p:extLst>
       <p:ext uri="{BB962C8B-B14F-4D97-AF65-F5344CB8AC3E}">
         <p14:creationId xmlns:p14="http://schemas.microsoft.com/office/powerpoint/2010/main" val="2152689951"/>
-      </p:ext>
-    </p:extLst>
-  </p:cSld>
-  <p:clrMapOvr>
-    <a:masterClrMapping/>
-  </p:clrMapOvr>
-</p:sld>
-</file>
-
-<file path=ppt/slides/slide9.xml><?xml version="1.0" encoding="utf-8"?>
-<p:sld xmlns:a="http://schemas.openxmlformats.org/drawingml/2006/main" xmlns:r="http://schemas.openxmlformats.org/officeDocument/2006/relationships" xmlns:p="http://schemas.openxmlformats.org/presentationml/2006/main">
-  <p:cSld>
-    <p:spTree>
-      <p:nvGrpSpPr>
-        <p:cNvPr id="1" name=""/>
-        <p:cNvGrpSpPr/>
-        <p:nvPr/>
-      </p:nvGrpSpPr>
-      <p:grpSpPr>
-        <a:xfrm>
-          <a:off x="0" y="0"/>
-          <a:ext cx="0" cy="0"/>
-          <a:chOff x="0" y="0"/>
-          <a:chExt cx="0" cy="0"/>
-        </a:xfrm>
-      </p:grpSpPr>
-      <p:sp>
-        <p:nvSpPr>
-          <p:cNvPr id="2" name="Title 1">
-            <a:extLst>
-              <a:ext uri="{FF2B5EF4-FFF2-40B4-BE49-F238E27FC236}">
-                <a16:creationId xmlns:a16="http://schemas.microsoft.com/office/drawing/2014/main" id="{F26DF813-9486-D2A5-9AA0-E1175FAEA2EA}"/>
-              </a:ext>
-            </a:extLst>
-          </p:cNvPr>
-          <p:cNvSpPr>
-            <a:spLocks noGrp="1"/>
-          </p:cNvSpPr>
-          <p:nvPr>
-            <p:ph type="title"/>
-          </p:nvPr>
-        </p:nvSpPr>
-        <p:spPr>
-          <a:xfrm>
-            <a:off x="1643678" y="619103"/>
-            <a:ext cx="8904643" cy="1059090"/>
-          </a:xfrm>
-        </p:spPr>
-        <p:txBody>
-          <a:bodyPr>
-            <a:noAutofit/>
-          </a:bodyPr>
-          <a:lstStyle/>
-          <a:p>
-            <a:r>
-              <a:rPr lang="en-US" b="1" dirty="0"/>
-              <a:t>1. WebDriver Initialization</a:t>
-            </a:r>
-            <a:br>
-              <a:rPr lang="en-US" dirty="0"/>
-            </a:br>
-            <a:endParaRPr lang="en-US" dirty="0"/>
-          </a:p>
-        </p:txBody>
-      </p:sp>
-      <p:pic>
-        <p:nvPicPr>
-          <p:cNvPr id="7" name="Content Placeholder 6" descr="A black screen with green text&#10;&#10;AI-generated content may be incorrect.">
-            <a:extLst>
-              <a:ext uri="{FF2B5EF4-FFF2-40B4-BE49-F238E27FC236}">
-                <a16:creationId xmlns:a16="http://schemas.microsoft.com/office/drawing/2014/main" id="{4B918D5F-A2C9-217E-8537-BF9375741A7D}"/>
-              </a:ext>
-            </a:extLst>
-          </p:cNvPr>
-          <p:cNvPicPr>
-            <a:picLocks noGrp="1" noChangeAspect="1"/>
-          </p:cNvPicPr>
-          <p:nvPr>
-            <p:ph idx="1"/>
-          </p:nvPr>
-        </p:nvPicPr>
-        <p:blipFill>
-          <a:blip r:embed="rId2"/>
-          <a:stretch>
-            <a:fillRect/>
-          </a:stretch>
-        </p:blipFill>
-        <p:spPr>
-          <a:xfrm>
-            <a:off x="92468" y="2624866"/>
-            <a:ext cx="11815280" cy="2364170"/>
-          </a:xfrm>
-        </p:spPr>
-      </p:pic>
-    </p:spTree>
-    <p:extLst>
-      <p:ext uri="{BB962C8B-B14F-4D97-AF65-F5344CB8AC3E}">
-        <p14:creationId xmlns:p14="http://schemas.microsoft.com/office/powerpoint/2010/main" val="2815025481"/>
       </p:ext>
     </p:extLst>
   </p:cSld>

--- a/OIM 7502 Midterm Deck.pptx
+++ b/OIM 7502 Midterm Deck.pptx
@@ -3370,7 +3370,7 @@
           <a:p>
             <a:fld id="{115D9CA2-542B-0A49-8F43-5D29D434D5E2}" type="datetimeFigureOut">
               <a:rPr lang="en-US" smtClean="0"/>
-              <a:t>11/2/25</a:t>
+              <a:t>11/17/25</a:t>
             </a:fld>
             <a:endParaRPr lang="en-US"/>
           </a:p>
@@ -4142,7 +4142,7 @@
           <a:p>
             <a:fld id="{53BEF823-48A5-43FC-BE03-E79964288B41}" type="datetimeFigureOut">
               <a:rPr lang="en-US" smtClean="0"/>
-              <a:t>11/2/25</a:t>
+              <a:t>11/17/25</a:t>
             </a:fld>
             <a:endParaRPr lang="en-US" dirty="0"/>
           </a:p>
@@ -4353,7 +4353,7 @@
             <a:fld id="{53BEF823-48A5-43FC-BE03-E79964288B41}" type="datetimeFigureOut">
               <a:rPr lang="en-US" smtClean="0"/>
               <a:pPr algn="r"/>
-              <a:t>11/2/25</a:t>
+              <a:t>11/17/25</a:t>
             </a:fld>
             <a:endParaRPr lang="en-US" dirty="0"/>
           </a:p>
@@ -4568,7 +4568,7 @@
             <a:fld id="{53BEF823-48A5-43FC-BE03-E79964288B41}" type="datetimeFigureOut">
               <a:rPr lang="en-US" smtClean="0"/>
               <a:pPr algn="r"/>
-              <a:t>11/2/25</a:t>
+              <a:t>11/17/25</a:t>
             </a:fld>
             <a:endParaRPr lang="en-US" dirty="0"/>
           </a:p>
@@ -4771,7 +4771,7 @@
             <a:fld id="{53BEF823-48A5-43FC-BE03-E79964288B41}" type="datetimeFigureOut">
               <a:rPr lang="en-US" smtClean="0"/>
               <a:pPr algn="r"/>
-              <a:t>11/2/25</a:t>
+              <a:t>11/17/25</a:t>
             </a:fld>
             <a:endParaRPr lang="en-US" dirty="0"/>
           </a:p>
@@ -5055,7 +5055,7 @@
             <a:fld id="{53BEF823-48A5-43FC-BE03-E79964288B41}" type="datetimeFigureOut">
               <a:rPr lang="en-US" smtClean="0"/>
               <a:pPr algn="r"/>
-              <a:t>11/2/25</a:t>
+              <a:t>11/17/25</a:t>
             </a:fld>
             <a:endParaRPr lang="en-US" dirty="0"/>
           </a:p>
@@ -5299,7 +5299,7 @@
             <a:fld id="{53BEF823-48A5-43FC-BE03-E79964288B41}" type="datetimeFigureOut">
               <a:rPr lang="en-US" smtClean="0"/>
               <a:pPr algn="r"/>
-              <a:t>11/2/25</a:t>
+              <a:t>11/17/25</a:t>
             </a:fld>
             <a:endParaRPr lang="en-US" dirty="0"/>
           </a:p>
@@ -5742,7 +5742,7 @@
             <a:fld id="{53BEF823-48A5-43FC-BE03-E79964288B41}" type="datetimeFigureOut">
               <a:rPr lang="en-US" smtClean="0"/>
               <a:pPr algn="r"/>
-              <a:t>11/2/25</a:t>
+              <a:t>11/17/25</a:t>
             </a:fld>
             <a:endParaRPr lang="en-US" dirty="0"/>
           </a:p>
@@ -5888,7 +5888,7 @@
             <a:fld id="{53BEF823-48A5-43FC-BE03-E79964288B41}" type="datetimeFigureOut">
               <a:rPr lang="en-US" smtClean="0"/>
               <a:pPr algn="r"/>
-              <a:t>11/2/25</a:t>
+              <a:t>11/17/25</a:t>
             </a:fld>
             <a:endParaRPr lang="en-US" dirty="0"/>
           </a:p>
@@ -6006,7 +6006,7 @@
             <a:fld id="{53BEF823-48A5-43FC-BE03-E79964288B41}" type="datetimeFigureOut">
               <a:rPr lang="en-US" smtClean="0"/>
               <a:pPr algn="r"/>
-              <a:t>11/2/25</a:t>
+              <a:t>11/17/25</a:t>
             </a:fld>
             <a:endParaRPr lang="en-US" dirty="0"/>
           </a:p>
@@ -6290,7 +6290,7 @@
             <a:fld id="{53BEF823-48A5-43FC-BE03-E79964288B41}" type="datetimeFigureOut">
               <a:rPr lang="en-US" smtClean="0"/>
               <a:pPr algn="r"/>
-              <a:t>11/2/25</a:t>
+              <a:t>11/17/25</a:t>
             </a:fld>
             <a:endParaRPr lang="en-US" dirty="0"/>
           </a:p>
@@ -6585,7 +6585,7 @@
             <a:fld id="{53BEF823-48A5-43FC-BE03-E79964288B41}" type="datetimeFigureOut">
               <a:rPr lang="en-US" smtClean="0"/>
               <a:pPr algn="r"/>
-              <a:t>11/2/25</a:t>
+              <a:t>11/17/25</a:t>
             </a:fld>
             <a:endParaRPr lang="en-US" dirty="0"/>
           </a:p>
@@ -7080,7 +7080,7 @@
             <a:fld id="{53BEF823-48A5-43FC-BE03-E79964288B41}" type="datetimeFigureOut">
               <a:rPr lang="en-US" smtClean="0"/>
               <a:pPr algn="r"/>
-              <a:t>11/2/25</a:t>
+              <a:t>11/17/25</a:t>
             </a:fld>
             <a:endParaRPr lang="en-US" dirty="0"/>
           </a:p>
@@ -14115,7 +14115,15 @@
             </a:pPr>
             <a:r>
               <a:rPr lang="en-US" sz="1800" i="0" dirty="0"/>
-              <a:t>Use datasets from Kaggle or data repositories</a:t>
+              <a:t>Use datasets </a:t>
+            </a:r>
+            <a:r>
+              <a:rPr lang="en-US" sz="1800" i="0"/>
+              <a:t>from data </a:t>
+            </a:r>
+            <a:r>
+              <a:rPr lang="en-US" sz="1800" i="0" dirty="0"/>
+              <a:t>repositories</a:t>
             </a:r>
           </a:p>
           <a:p>
